--- a/vid/countdown.pptx
+++ b/vid/countdown.pptx
@@ -6,16 +6,21 @@
   </p:sldMasterIdLst>
   <p:sldIdLst>
     <p:sldId id="256" r:id="rId2"/>
-    <p:sldId id="257" r:id="rId3"/>
-    <p:sldId id="258" r:id="rId4"/>
-    <p:sldId id="259" r:id="rId5"/>
-    <p:sldId id="260" r:id="rId6"/>
-    <p:sldId id="261" r:id="rId7"/>
-    <p:sldId id="262" r:id="rId8"/>
-    <p:sldId id="263" r:id="rId9"/>
-    <p:sldId id="264" r:id="rId10"/>
-    <p:sldId id="265" r:id="rId11"/>
-    <p:sldId id="266" r:id="rId12"/>
+    <p:sldId id="267" r:id="rId3"/>
+    <p:sldId id="268" r:id="rId4"/>
+    <p:sldId id="269" r:id="rId5"/>
+    <p:sldId id="271" r:id="rId6"/>
+    <p:sldId id="270" r:id="rId7"/>
+    <p:sldId id="257" r:id="rId8"/>
+    <p:sldId id="258" r:id="rId9"/>
+    <p:sldId id="259" r:id="rId10"/>
+    <p:sldId id="260" r:id="rId11"/>
+    <p:sldId id="261" r:id="rId12"/>
+    <p:sldId id="262" r:id="rId13"/>
+    <p:sldId id="263" r:id="rId14"/>
+    <p:sldId id="264" r:id="rId15"/>
+    <p:sldId id="265" r:id="rId16"/>
+    <p:sldId id="266" r:id="rId17"/>
   </p:sldIdLst>
   <p:sldSz cx="4389438" cy="5029200"/>
   <p:notesSz cx="6858000" cy="9144000"/>
@@ -490,7 +495,7 @@
           <a:p>
             <a:fld id="{067D46F0-CABA-4B36-8395-2141D1FEF8B5}" type="datetimeFigureOut">
               <a:rPr lang="en-US" smtClean="0"/>
-              <a:t>9/25/2020</a:t>
+              <a:t>10/18/2020</a:t>
             </a:fld>
             <a:endParaRPr lang="en-US"/>
           </a:p>
@@ -660,7 +665,7 @@
           <a:p>
             <a:fld id="{067D46F0-CABA-4B36-8395-2141D1FEF8B5}" type="datetimeFigureOut">
               <a:rPr lang="en-US" smtClean="0"/>
-              <a:t>9/25/2020</a:t>
+              <a:t>10/18/2020</a:t>
             </a:fld>
             <a:endParaRPr lang="en-US"/>
           </a:p>
@@ -840,7 +845,7 @@
           <a:p>
             <a:fld id="{067D46F0-CABA-4B36-8395-2141D1FEF8B5}" type="datetimeFigureOut">
               <a:rPr lang="en-US" smtClean="0"/>
-              <a:t>9/25/2020</a:t>
+              <a:t>10/18/2020</a:t>
             </a:fld>
             <a:endParaRPr lang="en-US"/>
           </a:p>
@@ -1010,7 +1015,7 @@
           <a:p>
             <a:fld id="{067D46F0-CABA-4B36-8395-2141D1FEF8B5}" type="datetimeFigureOut">
               <a:rPr lang="en-US" smtClean="0"/>
-              <a:t>9/25/2020</a:t>
+              <a:t>10/18/2020</a:t>
             </a:fld>
             <a:endParaRPr lang="en-US"/>
           </a:p>
@@ -1254,7 +1259,7 @@
           <a:p>
             <a:fld id="{067D46F0-CABA-4B36-8395-2141D1FEF8B5}" type="datetimeFigureOut">
               <a:rPr lang="en-US" smtClean="0"/>
-              <a:t>9/25/2020</a:t>
+              <a:t>10/18/2020</a:t>
             </a:fld>
             <a:endParaRPr lang="en-US"/>
           </a:p>
@@ -1486,7 +1491,7 @@
           <a:p>
             <a:fld id="{067D46F0-CABA-4B36-8395-2141D1FEF8B5}" type="datetimeFigureOut">
               <a:rPr lang="en-US" smtClean="0"/>
-              <a:t>9/25/2020</a:t>
+              <a:t>10/18/2020</a:t>
             </a:fld>
             <a:endParaRPr lang="en-US"/>
           </a:p>
@@ -1853,7 +1858,7 @@
           <a:p>
             <a:fld id="{067D46F0-CABA-4B36-8395-2141D1FEF8B5}" type="datetimeFigureOut">
               <a:rPr lang="en-US" smtClean="0"/>
-              <a:t>9/25/2020</a:t>
+              <a:t>10/18/2020</a:t>
             </a:fld>
             <a:endParaRPr lang="en-US"/>
           </a:p>
@@ -1971,7 +1976,7 @@
           <a:p>
             <a:fld id="{067D46F0-CABA-4B36-8395-2141D1FEF8B5}" type="datetimeFigureOut">
               <a:rPr lang="en-US" smtClean="0"/>
-              <a:t>9/25/2020</a:t>
+              <a:t>10/18/2020</a:t>
             </a:fld>
             <a:endParaRPr lang="en-US"/>
           </a:p>
@@ -2066,7 +2071,7 @@
           <a:p>
             <a:fld id="{067D46F0-CABA-4B36-8395-2141D1FEF8B5}" type="datetimeFigureOut">
               <a:rPr lang="en-US" smtClean="0"/>
-              <a:t>9/25/2020</a:t>
+              <a:t>10/18/2020</a:t>
             </a:fld>
             <a:endParaRPr lang="en-US"/>
           </a:p>
@@ -2343,7 +2348,7 @@
           <a:p>
             <a:fld id="{067D46F0-CABA-4B36-8395-2141D1FEF8B5}" type="datetimeFigureOut">
               <a:rPr lang="en-US" smtClean="0"/>
-              <a:t>9/25/2020</a:t>
+              <a:t>10/18/2020</a:t>
             </a:fld>
             <a:endParaRPr lang="en-US"/>
           </a:p>
@@ -2600,7 +2605,7 @@
           <a:p>
             <a:fld id="{067D46F0-CABA-4B36-8395-2141D1FEF8B5}" type="datetimeFigureOut">
               <a:rPr lang="en-US" smtClean="0"/>
-              <a:t>9/25/2020</a:t>
+              <a:t>10/18/2020</a:t>
             </a:fld>
             <a:endParaRPr lang="en-US"/>
           </a:p>
@@ -2813,7 +2818,7 @@
           <a:p>
             <a:fld id="{067D46F0-CABA-4B36-8395-2141D1FEF8B5}" type="datetimeFigureOut">
               <a:rPr lang="en-US" smtClean="0"/>
-              <a:t>9/25/2020</a:t>
+              <a:t>10/18/2020</a:t>
             </a:fld>
             <a:endParaRPr lang="en-US"/>
           </a:p>
@@ -3353,7 +3358,7 @@
             <a:pPr algn="ctr"/>
             <a:r>
               <a:rPr lang="en-US" sz="23900" dirty="0"/>
-              <a:t>10</a:t>
+              <a:t>15</a:t>
             </a:r>
           </a:p>
         </p:txBody>
@@ -3522,6 +3527,864 @@
           <a:p>
             <a:pPr algn="ctr"/>
             <a:r>
+              <a:rPr lang="en-US" sz="23900" dirty="0"/>
+              <a:t>6</a:t>
+            </a:r>
+          </a:p>
+        </p:txBody>
+      </p:sp>
+    </p:spTree>
+    <p:extLst>
+      <p:ext uri="{BB962C8B-B14F-4D97-AF65-F5344CB8AC3E}">
+        <p14:creationId xmlns:p14="http://schemas.microsoft.com/office/powerpoint/2010/main" val="541021645"/>
+      </p:ext>
+    </p:extLst>
+  </p:cSld>
+  <p:clrMapOvr>
+    <a:masterClrMapping/>
+  </p:clrMapOvr>
+</p:sld>
+</file>
+
+<file path=ppt/slides/slide11.xml><?xml version="1.0" encoding="utf-8"?>
+<p:sld xmlns:a="http://schemas.openxmlformats.org/drawingml/2006/main" xmlns:r="http://schemas.openxmlformats.org/officeDocument/2006/relationships" xmlns:p="http://schemas.openxmlformats.org/presentationml/2006/main">
+  <p:cSld>
+    <p:spTree>
+      <p:nvGrpSpPr>
+        <p:cNvPr id="1" name=""/>
+        <p:cNvGrpSpPr/>
+        <p:nvPr/>
+      </p:nvGrpSpPr>
+      <p:grpSpPr>
+        <a:xfrm>
+          <a:off x="0" y="0"/>
+          <a:ext cx="0" cy="0"/>
+          <a:chOff x="0" y="0"/>
+          <a:chExt cx="0" cy="0"/>
+        </a:xfrm>
+      </p:grpSpPr>
+      <p:pic>
+        <p:nvPicPr>
+          <p:cNvPr id="1026" name="Picture 2" descr="Haw Sports Stroke, Stopwatch Outline, Chronometer, Chronometers, sports,  tool, Outlined, stopwatch, Stopwatches, timer icon">
+            <a:extLst>
+              <a:ext uri="{FF2B5EF4-FFF2-40B4-BE49-F238E27FC236}">
+                <a16:creationId xmlns:a16="http://schemas.microsoft.com/office/drawing/2014/main" id="{6A5FC992-93B7-4813-89ED-DD9170F3BE9A}"/>
+              </a:ext>
+            </a:extLst>
+          </p:cNvPr>
+          <p:cNvPicPr>
+            <a:picLocks noChangeAspect="1" noChangeArrowheads="1"/>
+          </p:cNvPicPr>
+          <p:nvPr/>
+        </p:nvPicPr>
+        <p:blipFill>
+          <a:blip r:embed="rId2">
+            <a:extLst>
+              <a:ext uri="{28A0092B-C50C-407E-A947-70E740481C1C}">
+                <a14:useLocalDpi xmlns:a14="http://schemas.microsoft.com/office/drawing/2010/main" val="0"/>
+              </a:ext>
+            </a:extLst>
+          </a:blip>
+          <a:srcRect/>
+          <a:stretch>
+            <a:fillRect/>
+          </a:stretch>
+        </p:blipFill>
+        <p:spPr bwMode="auto">
+          <a:xfrm>
+            <a:off x="-243681" y="76200"/>
+            <a:ext cx="4876800" cy="4876800"/>
+          </a:xfrm>
+          <a:prstGeom prst="rect">
+            <a:avLst/>
+          </a:prstGeom>
+          <a:noFill/>
+          <a:extLst>
+            <a:ext uri="{909E8E84-426E-40DD-AFC4-6F175D3DCCD1}">
+              <a14:hiddenFill xmlns:a14="http://schemas.microsoft.com/office/drawing/2010/main">
+                <a:solidFill>
+                  <a:srgbClr val="FFFFFF"/>
+                </a:solidFill>
+              </a14:hiddenFill>
+            </a:ext>
+          </a:extLst>
+        </p:spPr>
+      </p:pic>
+      <p:sp>
+        <p:nvSpPr>
+          <p:cNvPr id="4" name="Rectangle 3">
+            <a:extLst>
+              <a:ext uri="{FF2B5EF4-FFF2-40B4-BE49-F238E27FC236}">
+                <a16:creationId xmlns:a16="http://schemas.microsoft.com/office/drawing/2014/main" id="{7A2EC5BA-60A8-4447-8312-D621E4C56CD0}"/>
+              </a:ext>
+            </a:extLst>
+          </p:cNvPr>
+          <p:cNvSpPr/>
+          <p:nvPr/>
+        </p:nvSpPr>
+        <p:spPr>
+          <a:xfrm>
+            <a:off x="1153625" y="1299991"/>
+            <a:ext cx="2082188" cy="2952520"/>
+          </a:xfrm>
+          <a:prstGeom prst="rect">
+            <a:avLst/>
+          </a:prstGeom>
+          <a:solidFill>
+            <a:schemeClr val="bg1"/>
+          </a:solidFill>
+          <a:ln>
+            <a:noFill/>
+          </a:ln>
+        </p:spPr>
+        <p:style>
+          <a:lnRef idx="2">
+            <a:schemeClr val="accent1">
+              <a:shade val="50000"/>
+            </a:schemeClr>
+          </a:lnRef>
+          <a:fillRef idx="1">
+            <a:schemeClr val="accent1"/>
+          </a:fillRef>
+          <a:effectRef idx="0">
+            <a:schemeClr val="accent1"/>
+          </a:effectRef>
+          <a:fontRef idx="minor">
+            <a:schemeClr val="lt1"/>
+          </a:fontRef>
+        </p:style>
+        <p:txBody>
+          <a:bodyPr rot="0" spcFirstLastPara="0" vertOverflow="overflow" horzOverflow="overflow" vert="horz" wrap="square" lIns="91440" tIns="45720" rIns="91440" bIns="45720" numCol="1" spcCol="0" rtlCol="0" fromWordArt="0" anchor="ctr" anchorCtr="0" forceAA="0" compatLnSpc="1">
+            <a:prstTxWarp prst="textNoShape">
+              <a:avLst/>
+            </a:prstTxWarp>
+            <a:noAutofit/>
+          </a:bodyPr>
+          <a:lstStyle/>
+          <a:p>
+            <a:pPr algn="ctr"/>
+            <a:endParaRPr lang="en-US"/>
+          </a:p>
+        </p:txBody>
+      </p:sp>
+      <p:sp>
+        <p:nvSpPr>
+          <p:cNvPr id="5" name="TextBox 4">
+            <a:extLst>
+              <a:ext uri="{FF2B5EF4-FFF2-40B4-BE49-F238E27FC236}">
+                <a16:creationId xmlns:a16="http://schemas.microsoft.com/office/drawing/2014/main" id="{726C1CE9-E352-472C-BAE4-97A661353F26}"/>
+              </a:ext>
+            </a:extLst>
+          </p:cNvPr>
+          <p:cNvSpPr txBox="1"/>
+          <p:nvPr/>
+        </p:nvSpPr>
+        <p:spPr>
+          <a:xfrm>
+            <a:off x="491805" y="849815"/>
+            <a:ext cx="3405843" cy="3770263"/>
+          </a:xfrm>
+          <a:prstGeom prst="rect">
+            <a:avLst/>
+          </a:prstGeom>
+          <a:noFill/>
+        </p:spPr>
+        <p:txBody>
+          <a:bodyPr wrap="square" rtlCol="0" anchor="ctr">
+            <a:spAutoFit/>
+          </a:bodyPr>
+          <a:lstStyle/>
+          <a:p>
+            <a:pPr algn="ctr"/>
+            <a:r>
+              <a:rPr lang="en-US" sz="23900" dirty="0"/>
+              <a:t>5</a:t>
+            </a:r>
+          </a:p>
+        </p:txBody>
+      </p:sp>
+    </p:spTree>
+    <p:extLst>
+      <p:ext uri="{BB962C8B-B14F-4D97-AF65-F5344CB8AC3E}">
+        <p14:creationId xmlns:p14="http://schemas.microsoft.com/office/powerpoint/2010/main" val="1995452057"/>
+      </p:ext>
+    </p:extLst>
+  </p:cSld>
+  <p:clrMapOvr>
+    <a:masterClrMapping/>
+  </p:clrMapOvr>
+</p:sld>
+</file>
+
+<file path=ppt/slides/slide12.xml><?xml version="1.0" encoding="utf-8"?>
+<p:sld xmlns:a="http://schemas.openxmlformats.org/drawingml/2006/main" xmlns:r="http://schemas.openxmlformats.org/officeDocument/2006/relationships" xmlns:p="http://schemas.openxmlformats.org/presentationml/2006/main">
+  <p:cSld>
+    <p:spTree>
+      <p:nvGrpSpPr>
+        <p:cNvPr id="1" name=""/>
+        <p:cNvGrpSpPr/>
+        <p:nvPr/>
+      </p:nvGrpSpPr>
+      <p:grpSpPr>
+        <a:xfrm>
+          <a:off x="0" y="0"/>
+          <a:ext cx="0" cy="0"/>
+          <a:chOff x="0" y="0"/>
+          <a:chExt cx="0" cy="0"/>
+        </a:xfrm>
+      </p:grpSpPr>
+      <p:pic>
+        <p:nvPicPr>
+          <p:cNvPr id="1026" name="Picture 2" descr="Haw Sports Stroke, Stopwatch Outline, Chronometer, Chronometers, sports,  tool, Outlined, stopwatch, Stopwatches, timer icon">
+            <a:extLst>
+              <a:ext uri="{FF2B5EF4-FFF2-40B4-BE49-F238E27FC236}">
+                <a16:creationId xmlns:a16="http://schemas.microsoft.com/office/drawing/2014/main" id="{6A5FC992-93B7-4813-89ED-DD9170F3BE9A}"/>
+              </a:ext>
+            </a:extLst>
+          </p:cNvPr>
+          <p:cNvPicPr>
+            <a:picLocks noChangeAspect="1" noChangeArrowheads="1"/>
+          </p:cNvPicPr>
+          <p:nvPr/>
+        </p:nvPicPr>
+        <p:blipFill>
+          <a:blip r:embed="rId2">
+            <a:extLst>
+              <a:ext uri="{28A0092B-C50C-407E-A947-70E740481C1C}">
+                <a14:useLocalDpi xmlns:a14="http://schemas.microsoft.com/office/drawing/2010/main" val="0"/>
+              </a:ext>
+            </a:extLst>
+          </a:blip>
+          <a:srcRect/>
+          <a:stretch>
+            <a:fillRect/>
+          </a:stretch>
+        </p:blipFill>
+        <p:spPr bwMode="auto">
+          <a:xfrm>
+            <a:off x="-243681" y="76200"/>
+            <a:ext cx="4876800" cy="4876800"/>
+          </a:xfrm>
+          <a:prstGeom prst="rect">
+            <a:avLst/>
+          </a:prstGeom>
+          <a:noFill/>
+          <a:extLst>
+            <a:ext uri="{909E8E84-426E-40DD-AFC4-6F175D3DCCD1}">
+              <a14:hiddenFill xmlns:a14="http://schemas.microsoft.com/office/drawing/2010/main">
+                <a:solidFill>
+                  <a:srgbClr val="FFFFFF"/>
+                </a:solidFill>
+              </a14:hiddenFill>
+            </a:ext>
+          </a:extLst>
+        </p:spPr>
+      </p:pic>
+      <p:sp>
+        <p:nvSpPr>
+          <p:cNvPr id="4" name="Rectangle 3">
+            <a:extLst>
+              <a:ext uri="{FF2B5EF4-FFF2-40B4-BE49-F238E27FC236}">
+                <a16:creationId xmlns:a16="http://schemas.microsoft.com/office/drawing/2014/main" id="{7A2EC5BA-60A8-4447-8312-D621E4C56CD0}"/>
+              </a:ext>
+            </a:extLst>
+          </p:cNvPr>
+          <p:cNvSpPr/>
+          <p:nvPr/>
+        </p:nvSpPr>
+        <p:spPr>
+          <a:xfrm>
+            <a:off x="1153625" y="1299991"/>
+            <a:ext cx="2082188" cy="2952520"/>
+          </a:xfrm>
+          <a:prstGeom prst="rect">
+            <a:avLst/>
+          </a:prstGeom>
+          <a:solidFill>
+            <a:schemeClr val="bg1"/>
+          </a:solidFill>
+          <a:ln>
+            <a:noFill/>
+          </a:ln>
+        </p:spPr>
+        <p:style>
+          <a:lnRef idx="2">
+            <a:schemeClr val="accent1">
+              <a:shade val="50000"/>
+            </a:schemeClr>
+          </a:lnRef>
+          <a:fillRef idx="1">
+            <a:schemeClr val="accent1"/>
+          </a:fillRef>
+          <a:effectRef idx="0">
+            <a:schemeClr val="accent1"/>
+          </a:effectRef>
+          <a:fontRef idx="minor">
+            <a:schemeClr val="lt1"/>
+          </a:fontRef>
+        </p:style>
+        <p:txBody>
+          <a:bodyPr rot="0" spcFirstLastPara="0" vertOverflow="overflow" horzOverflow="overflow" vert="horz" wrap="square" lIns="91440" tIns="45720" rIns="91440" bIns="45720" numCol="1" spcCol="0" rtlCol="0" fromWordArt="0" anchor="ctr" anchorCtr="0" forceAA="0" compatLnSpc="1">
+            <a:prstTxWarp prst="textNoShape">
+              <a:avLst/>
+            </a:prstTxWarp>
+            <a:noAutofit/>
+          </a:bodyPr>
+          <a:lstStyle/>
+          <a:p>
+            <a:pPr algn="ctr"/>
+            <a:endParaRPr lang="en-US"/>
+          </a:p>
+        </p:txBody>
+      </p:sp>
+      <p:sp>
+        <p:nvSpPr>
+          <p:cNvPr id="5" name="TextBox 4">
+            <a:extLst>
+              <a:ext uri="{FF2B5EF4-FFF2-40B4-BE49-F238E27FC236}">
+                <a16:creationId xmlns:a16="http://schemas.microsoft.com/office/drawing/2014/main" id="{726C1CE9-E352-472C-BAE4-97A661353F26}"/>
+              </a:ext>
+            </a:extLst>
+          </p:cNvPr>
+          <p:cNvSpPr txBox="1"/>
+          <p:nvPr/>
+        </p:nvSpPr>
+        <p:spPr>
+          <a:xfrm>
+            <a:off x="491805" y="849815"/>
+            <a:ext cx="3405843" cy="3770263"/>
+          </a:xfrm>
+          <a:prstGeom prst="rect">
+            <a:avLst/>
+          </a:prstGeom>
+          <a:noFill/>
+        </p:spPr>
+        <p:txBody>
+          <a:bodyPr wrap="square" rtlCol="0" anchor="ctr">
+            <a:spAutoFit/>
+          </a:bodyPr>
+          <a:lstStyle/>
+          <a:p>
+            <a:pPr algn="ctr"/>
+            <a:r>
+              <a:rPr lang="en-US" sz="23900" dirty="0"/>
+              <a:t>4</a:t>
+            </a:r>
+          </a:p>
+        </p:txBody>
+      </p:sp>
+    </p:spTree>
+    <p:extLst>
+      <p:ext uri="{BB962C8B-B14F-4D97-AF65-F5344CB8AC3E}">
+        <p14:creationId xmlns:p14="http://schemas.microsoft.com/office/powerpoint/2010/main" val="1422441679"/>
+      </p:ext>
+    </p:extLst>
+  </p:cSld>
+  <p:clrMapOvr>
+    <a:masterClrMapping/>
+  </p:clrMapOvr>
+</p:sld>
+</file>
+
+<file path=ppt/slides/slide13.xml><?xml version="1.0" encoding="utf-8"?>
+<p:sld xmlns:a="http://schemas.openxmlformats.org/drawingml/2006/main" xmlns:r="http://schemas.openxmlformats.org/officeDocument/2006/relationships" xmlns:p="http://schemas.openxmlformats.org/presentationml/2006/main">
+  <p:cSld>
+    <p:spTree>
+      <p:nvGrpSpPr>
+        <p:cNvPr id="1" name=""/>
+        <p:cNvGrpSpPr/>
+        <p:nvPr/>
+      </p:nvGrpSpPr>
+      <p:grpSpPr>
+        <a:xfrm>
+          <a:off x="0" y="0"/>
+          <a:ext cx="0" cy="0"/>
+          <a:chOff x="0" y="0"/>
+          <a:chExt cx="0" cy="0"/>
+        </a:xfrm>
+      </p:grpSpPr>
+      <p:pic>
+        <p:nvPicPr>
+          <p:cNvPr id="1026" name="Picture 2" descr="Haw Sports Stroke, Stopwatch Outline, Chronometer, Chronometers, sports,  tool, Outlined, stopwatch, Stopwatches, timer icon">
+            <a:extLst>
+              <a:ext uri="{FF2B5EF4-FFF2-40B4-BE49-F238E27FC236}">
+                <a16:creationId xmlns:a16="http://schemas.microsoft.com/office/drawing/2014/main" id="{6A5FC992-93B7-4813-89ED-DD9170F3BE9A}"/>
+              </a:ext>
+            </a:extLst>
+          </p:cNvPr>
+          <p:cNvPicPr>
+            <a:picLocks noChangeAspect="1" noChangeArrowheads="1"/>
+          </p:cNvPicPr>
+          <p:nvPr/>
+        </p:nvPicPr>
+        <p:blipFill>
+          <a:blip r:embed="rId2">
+            <a:extLst>
+              <a:ext uri="{28A0092B-C50C-407E-A947-70E740481C1C}">
+                <a14:useLocalDpi xmlns:a14="http://schemas.microsoft.com/office/drawing/2010/main" val="0"/>
+              </a:ext>
+            </a:extLst>
+          </a:blip>
+          <a:srcRect/>
+          <a:stretch>
+            <a:fillRect/>
+          </a:stretch>
+        </p:blipFill>
+        <p:spPr bwMode="auto">
+          <a:xfrm>
+            <a:off x="-243681" y="76200"/>
+            <a:ext cx="4876800" cy="4876800"/>
+          </a:xfrm>
+          <a:prstGeom prst="rect">
+            <a:avLst/>
+          </a:prstGeom>
+          <a:noFill/>
+          <a:extLst>
+            <a:ext uri="{909E8E84-426E-40DD-AFC4-6F175D3DCCD1}">
+              <a14:hiddenFill xmlns:a14="http://schemas.microsoft.com/office/drawing/2010/main">
+                <a:solidFill>
+                  <a:srgbClr val="FFFFFF"/>
+                </a:solidFill>
+              </a14:hiddenFill>
+            </a:ext>
+          </a:extLst>
+        </p:spPr>
+      </p:pic>
+      <p:sp>
+        <p:nvSpPr>
+          <p:cNvPr id="4" name="Rectangle 3">
+            <a:extLst>
+              <a:ext uri="{FF2B5EF4-FFF2-40B4-BE49-F238E27FC236}">
+                <a16:creationId xmlns:a16="http://schemas.microsoft.com/office/drawing/2014/main" id="{7A2EC5BA-60A8-4447-8312-D621E4C56CD0}"/>
+              </a:ext>
+            </a:extLst>
+          </p:cNvPr>
+          <p:cNvSpPr/>
+          <p:nvPr/>
+        </p:nvSpPr>
+        <p:spPr>
+          <a:xfrm>
+            <a:off x="1153625" y="1299991"/>
+            <a:ext cx="2082188" cy="2952520"/>
+          </a:xfrm>
+          <a:prstGeom prst="rect">
+            <a:avLst/>
+          </a:prstGeom>
+          <a:solidFill>
+            <a:schemeClr val="bg1"/>
+          </a:solidFill>
+          <a:ln>
+            <a:noFill/>
+          </a:ln>
+        </p:spPr>
+        <p:style>
+          <a:lnRef idx="2">
+            <a:schemeClr val="accent1">
+              <a:shade val="50000"/>
+            </a:schemeClr>
+          </a:lnRef>
+          <a:fillRef idx="1">
+            <a:schemeClr val="accent1"/>
+          </a:fillRef>
+          <a:effectRef idx="0">
+            <a:schemeClr val="accent1"/>
+          </a:effectRef>
+          <a:fontRef idx="minor">
+            <a:schemeClr val="lt1"/>
+          </a:fontRef>
+        </p:style>
+        <p:txBody>
+          <a:bodyPr rot="0" spcFirstLastPara="0" vertOverflow="overflow" horzOverflow="overflow" vert="horz" wrap="square" lIns="91440" tIns="45720" rIns="91440" bIns="45720" numCol="1" spcCol="0" rtlCol="0" fromWordArt="0" anchor="ctr" anchorCtr="0" forceAA="0" compatLnSpc="1">
+            <a:prstTxWarp prst="textNoShape">
+              <a:avLst/>
+            </a:prstTxWarp>
+            <a:noAutofit/>
+          </a:bodyPr>
+          <a:lstStyle/>
+          <a:p>
+            <a:pPr algn="ctr"/>
+            <a:endParaRPr lang="en-US"/>
+          </a:p>
+        </p:txBody>
+      </p:sp>
+      <p:sp>
+        <p:nvSpPr>
+          <p:cNvPr id="5" name="TextBox 4">
+            <a:extLst>
+              <a:ext uri="{FF2B5EF4-FFF2-40B4-BE49-F238E27FC236}">
+                <a16:creationId xmlns:a16="http://schemas.microsoft.com/office/drawing/2014/main" id="{726C1CE9-E352-472C-BAE4-97A661353F26}"/>
+              </a:ext>
+            </a:extLst>
+          </p:cNvPr>
+          <p:cNvSpPr txBox="1"/>
+          <p:nvPr/>
+        </p:nvSpPr>
+        <p:spPr>
+          <a:xfrm>
+            <a:off x="491805" y="849815"/>
+            <a:ext cx="3405843" cy="3770263"/>
+          </a:xfrm>
+          <a:prstGeom prst="rect">
+            <a:avLst/>
+          </a:prstGeom>
+          <a:noFill/>
+        </p:spPr>
+        <p:txBody>
+          <a:bodyPr wrap="square" rtlCol="0" anchor="ctr">
+            <a:spAutoFit/>
+          </a:bodyPr>
+          <a:lstStyle/>
+          <a:p>
+            <a:pPr algn="ctr"/>
+            <a:r>
+              <a:rPr lang="en-US" sz="23900" b="1" dirty="0">
+                <a:solidFill>
+                  <a:srgbClr val="FF0000"/>
+                </a:solidFill>
+              </a:rPr>
+              <a:t>3</a:t>
+            </a:r>
+          </a:p>
+        </p:txBody>
+      </p:sp>
+    </p:spTree>
+    <p:extLst>
+      <p:ext uri="{BB962C8B-B14F-4D97-AF65-F5344CB8AC3E}">
+        <p14:creationId xmlns:p14="http://schemas.microsoft.com/office/powerpoint/2010/main" val="1786500915"/>
+      </p:ext>
+    </p:extLst>
+  </p:cSld>
+  <p:clrMapOvr>
+    <a:masterClrMapping/>
+  </p:clrMapOvr>
+</p:sld>
+</file>
+
+<file path=ppt/slides/slide14.xml><?xml version="1.0" encoding="utf-8"?>
+<p:sld xmlns:a="http://schemas.openxmlformats.org/drawingml/2006/main" xmlns:r="http://schemas.openxmlformats.org/officeDocument/2006/relationships" xmlns:p="http://schemas.openxmlformats.org/presentationml/2006/main">
+  <p:cSld>
+    <p:spTree>
+      <p:nvGrpSpPr>
+        <p:cNvPr id="1" name=""/>
+        <p:cNvGrpSpPr/>
+        <p:nvPr/>
+      </p:nvGrpSpPr>
+      <p:grpSpPr>
+        <a:xfrm>
+          <a:off x="0" y="0"/>
+          <a:ext cx="0" cy="0"/>
+          <a:chOff x="0" y="0"/>
+          <a:chExt cx="0" cy="0"/>
+        </a:xfrm>
+      </p:grpSpPr>
+      <p:pic>
+        <p:nvPicPr>
+          <p:cNvPr id="1026" name="Picture 2" descr="Haw Sports Stroke, Stopwatch Outline, Chronometer, Chronometers, sports,  tool, Outlined, stopwatch, Stopwatches, timer icon">
+            <a:extLst>
+              <a:ext uri="{FF2B5EF4-FFF2-40B4-BE49-F238E27FC236}">
+                <a16:creationId xmlns:a16="http://schemas.microsoft.com/office/drawing/2014/main" id="{6A5FC992-93B7-4813-89ED-DD9170F3BE9A}"/>
+              </a:ext>
+            </a:extLst>
+          </p:cNvPr>
+          <p:cNvPicPr>
+            <a:picLocks noChangeAspect="1" noChangeArrowheads="1"/>
+          </p:cNvPicPr>
+          <p:nvPr/>
+        </p:nvPicPr>
+        <p:blipFill>
+          <a:blip r:embed="rId2">
+            <a:extLst>
+              <a:ext uri="{28A0092B-C50C-407E-A947-70E740481C1C}">
+                <a14:useLocalDpi xmlns:a14="http://schemas.microsoft.com/office/drawing/2010/main" val="0"/>
+              </a:ext>
+            </a:extLst>
+          </a:blip>
+          <a:srcRect/>
+          <a:stretch>
+            <a:fillRect/>
+          </a:stretch>
+        </p:blipFill>
+        <p:spPr bwMode="auto">
+          <a:xfrm>
+            <a:off x="-243681" y="76200"/>
+            <a:ext cx="4876800" cy="4876800"/>
+          </a:xfrm>
+          <a:prstGeom prst="rect">
+            <a:avLst/>
+          </a:prstGeom>
+          <a:noFill/>
+          <a:extLst>
+            <a:ext uri="{909E8E84-426E-40DD-AFC4-6F175D3DCCD1}">
+              <a14:hiddenFill xmlns:a14="http://schemas.microsoft.com/office/drawing/2010/main">
+                <a:solidFill>
+                  <a:srgbClr val="FFFFFF"/>
+                </a:solidFill>
+              </a14:hiddenFill>
+            </a:ext>
+          </a:extLst>
+        </p:spPr>
+      </p:pic>
+      <p:sp>
+        <p:nvSpPr>
+          <p:cNvPr id="4" name="Rectangle 3">
+            <a:extLst>
+              <a:ext uri="{FF2B5EF4-FFF2-40B4-BE49-F238E27FC236}">
+                <a16:creationId xmlns:a16="http://schemas.microsoft.com/office/drawing/2014/main" id="{7A2EC5BA-60A8-4447-8312-D621E4C56CD0}"/>
+              </a:ext>
+            </a:extLst>
+          </p:cNvPr>
+          <p:cNvSpPr/>
+          <p:nvPr/>
+        </p:nvSpPr>
+        <p:spPr>
+          <a:xfrm>
+            <a:off x="1153625" y="1299991"/>
+            <a:ext cx="2082188" cy="2952520"/>
+          </a:xfrm>
+          <a:prstGeom prst="rect">
+            <a:avLst/>
+          </a:prstGeom>
+          <a:solidFill>
+            <a:schemeClr val="bg1"/>
+          </a:solidFill>
+          <a:ln>
+            <a:noFill/>
+          </a:ln>
+        </p:spPr>
+        <p:style>
+          <a:lnRef idx="2">
+            <a:schemeClr val="accent1">
+              <a:shade val="50000"/>
+            </a:schemeClr>
+          </a:lnRef>
+          <a:fillRef idx="1">
+            <a:schemeClr val="accent1"/>
+          </a:fillRef>
+          <a:effectRef idx="0">
+            <a:schemeClr val="accent1"/>
+          </a:effectRef>
+          <a:fontRef idx="minor">
+            <a:schemeClr val="lt1"/>
+          </a:fontRef>
+        </p:style>
+        <p:txBody>
+          <a:bodyPr rot="0" spcFirstLastPara="0" vertOverflow="overflow" horzOverflow="overflow" vert="horz" wrap="square" lIns="91440" tIns="45720" rIns="91440" bIns="45720" numCol="1" spcCol="0" rtlCol="0" fromWordArt="0" anchor="ctr" anchorCtr="0" forceAA="0" compatLnSpc="1">
+            <a:prstTxWarp prst="textNoShape">
+              <a:avLst/>
+            </a:prstTxWarp>
+            <a:noAutofit/>
+          </a:bodyPr>
+          <a:lstStyle/>
+          <a:p>
+            <a:pPr algn="ctr"/>
+            <a:endParaRPr lang="en-US"/>
+          </a:p>
+        </p:txBody>
+      </p:sp>
+      <p:sp>
+        <p:nvSpPr>
+          <p:cNvPr id="5" name="TextBox 4">
+            <a:extLst>
+              <a:ext uri="{FF2B5EF4-FFF2-40B4-BE49-F238E27FC236}">
+                <a16:creationId xmlns:a16="http://schemas.microsoft.com/office/drawing/2014/main" id="{726C1CE9-E352-472C-BAE4-97A661353F26}"/>
+              </a:ext>
+            </a:extLst>
+          </p:cNvPr>
+          <p:cNvSpPr txBox="1"/>
+          <p:nvPr/>
+        </p:nvSpPr>
+        <p:spPr>
+          <a:xfrm>
+            <a:off x="491805" y="849815"/>
+            <a:ext cx="3405843" cy="3770263"/>
+          </a:xfrm>
+          <a:prstGeom prst="rect">
+            <a:avLst/>
+          </a:prstGeom>
+          <a:noFill/>
+        </p:spPr>
+        <p:txBody>
+          <a:bodyPr wrap="square" rtlCol="0" anchor="ctr">
+            <a:spAutoFit/>
+          </a:bodyPr>
+          <a:lstStyle/>
+          <a:p>
+            <a:pPr algn="ctr"/>
+            <a:r>
+              <a:rPr lang="en-US" sz="23900" b="1" dirty="0">
+                <a:solidFill>
+                  <a:srgbClr val="FF0000"/>
+                </a:solidFill>
+              </a:rPr>
+              <a:t>2</a:t>
+            </a:r>
+          </a:p>
+        </p:txBody>
+      </p:sp>
+    </p:spTree>
+    <p:extLst>
+      <p:ext uri="{BB962C8B-B14F-4D97-AF65-F5344CB8AC3E}">
+        <p14:creationId xmlns:p14="http://schemas.microsoft.com/office/powerpoint/2010/main" val="3893790633"/>
+      </p:ext>
+    </p:extLst>
+  </p:cSld>
+  <p:clrMapOvr>
+    <a:masterClrMapping/>
+  </p:clrMapOvr>
+</p:sld>
+</file>
+
+<file path=ppt/slides/slide15.xml><?xml version="1.0" encoding="utf-8"?>
+<p:sld xmlns:a="http://schemas.openxmlformats.org/drawingml/2006/main" xmlns:r="http://schemas.openxmlformats.org/officeDocument/2006/relationships" xmlns:p="http://schemas.openxmlformats.org/presentationml/2006/main">
+  <p:cSld>
+    <p:spTree>
+      <p:nvGrpSpPr>
+        <p:cNvPr id="1" name=""/>
+        <p:cNvGrpSpPr/>
+        <p:nvPr/>
+      </p:nvGrpSpPr>
+      <p:grpSpPr>
+        <a:xfrm>
+          <a:off x="0" y="0"/>
+          <a:ext cx="0" cy="0"/>
+          <a:chOff x="0" y="0"/>
+          <a:chExt cx="0" cy="0"/>
+        </a:xfrm>
+      </p:grpSpPr>
+      <p:pic>
+        <p:nvPicPr>
+          <p:cNvPr id="1026" name="Picture 2" descr="Haw Sports Stroke, Stopwatch Outline, Chronometer, Chronometers, sports,  tool, Outlined, stopwatch, Stopwatches, timer icon">
+            <a:extLst>
+              <a:ext uri="{FF2B5EF4-FFF2-40B4-BE49-F238E27FC236}">
+                <a16:creationId xmlns:a16="http://schemas.microsoft.com/office/drawing/2014/main" id="{6A5FC992-93B7-4813-89ED-DD9170F3BE9A}"/>
+              </a:ext>
+            </a:extLst>
+          </p:cNvPr>
+          <p:cNvPicPr>
+            <a:picLocks noChangeAspect="1" noChangeArrowheads="1"/>
+          </p:cNvPicPr>
+          <p:nvPr/>
+        </p:nvPicPr>
+        <p:blipFill>
+          <a:blip r:embed="rId2">
+            <a:extLst>
+              <a:ext uri="{28A0092B-C50C-407E-A947-70E740481C1C}">
+                <a14:useLocalDpi xmlns:a14="http://schemas.microsoft.com/office/drawing/2010/main" val="0"/>
+              </a:ext>
+            </a:extLst>
+          </a:blip>
+          <a:srcRect/>
+          <a:stretch>
+            <a:fillRect/>
+          </a:stretch>
+        </p:blipFill>
+        <p:spPr bwMode="auto">
+          <a:xfrm>
+            <a:off x="-243681" y="76200"/>
+            <a:ext cx="4876800" cy="4876800"/>
+          </a:xfrm>
+          <a:prstGeom prst="rect">
+            <a:avLst/>
+          </a:prstGeom>
+          <a:noFill/>
+          <a:extLst>
+            <a:ext uri="{909E8E84-426E-40DD-AFC4-6F175D3DCCD1}">
+              <a14:hiddenFill xmlns:a14="http://schemas.microsoft.com/office/drawing/2010/main">
+                <a:solidFill>
+                  <a:srgbClr val="FFFFFF"/>
+                </a:solidFill>
+              </a14:hiddenFill>
+            </a:ext>
+          </a:extLst>
+        </p:spPr>
+      </p:pic>
+      <p:sp>
+        <p:nvSpPr>
+          <p:cNvPr id="4" name="Rectangle 3">
+            <a:extLst>
+              <a:ext uri="{FF2B5EF4-FFF2-40B4-BE49-F238E27FC236}">
+                <a16:creationId xmlns:a16="http://schemas.microsoft.com/office/drawing/2014/main" id="{7A2EC5BA-60A8-4447-8312-D621E4C56CD0}"/>
+              </a:ext>
+            </a:extLst>
+          </p:cNvPr>
+          <p:cNvSpPr/>
+          <p:nvPr/>
+        </p:nvSpPr>
+        <p:spPr>
+          <a:xfrm>
+            <a:off x="1153625" y="1299991"/>
+            <a:ext cx="2082188" cy="2952520"/>
+          </a:xfrm>
+          <a:prstGeom prst="rect">
+            <a:avLst/>
+          </a:prstGeom>
+          <a:solidFill>
+            <a:schemeClr val="bg1"/>
+          </a:solidFill>
+          <a:ln>
+            <a:noFill/>
+          </a:ln>
+        </p:spPr>
+        <p:style>
+          <a:lnRef idx="2">
+            <a:schemeClr val="accent1">
+              <a:shade val="50000"/>
+            </a:schemeClr>
+          </a:lnRef>
+          <a:fillRef idx="1">
+            <a:schemeClr val="accent1"/>
+          </a:fillRef>
+          <a:effectRef idx="0">
+            <a:schemeClr val="accent1"/>
+          </a:effectRef>
+          <a:fontRef idx="minor">
+            <a:schemeClr val="lt1"/>
+          </a:fontRef>
+        </p:style>
+        <p:txBody>
+          <a:bodyPr rot="0" spcFirstLastPara="0" vertOverflow="overflow" horzOverflow="overflow" vert="horz" wrap="square" lIns="91440" tIns="45720" rIns="91440" bIns="45720" numCol="1" spcCol="0" rtlCol="0" fromWordArt="0" anchor="ctr" anchorCtr="0" forceAA="0" compatLnSpc="1">
+            <a:prstTxWarp prst="textNoShape">
+              <a:avLst/>
+            </a:prstTxWarp>
+            <a:noAutofit/>
+          </a:bodyPr>
+          <a:lstStyle/>
+          <a:p>
+            <a:pPr algn="ctr"/>
+            <a:endParaRPr lang="en-US"/>
+          </a:p>
+        </p:txBody>
+      </p:sp>
+      <p:sp>
+        <p:nvSpPr>
+          <p:cNvPr id="5" name="TextBox 4">
+            <a:extLst>
+              <a:ext uri="{FF2B5EF4-FFF2-40B4-BE49-F238E27FC236}">
+                <a16:creationId xmlns:a16="http://schemas.microsoft.com/office/drawing/2014/main" id="{726C1CE9-E352-472C-BAE4-97A661353F26}"/>
+              </a:ext>
+            </a:extLst>
+          </p:cNvPr>
+          <p:cNvSpPr txBox="1"/>
+          <p:nvPr/>
+        </p:nvSpPr>
+        <p:spPr>
+          <a:xfrm>
+            <a:off x="491805" y="849815"/>
+            <a:ext cx="3405843" cy="3770263"/>
+          </a:xfrm>
+          <a:prstGeom prst="rect">
+            <a:avLst/>
+          </a:prstGeom>
+          <a:noFill/>
+        </p:spPr>
+        <p:txBody>
+          <a:bodyPr wrap="square" rtlCol="0" anchor="ctr">
+            <a:spAutoFit/>
+          </a:bodyPr>
+          <a:lstStyle/>
+          <a:p>
+            <a:pPr algn="ctr"/>
+            <a:r>
               <a:rPr lang="en-US" sz="23900" b="1" dirty="0">
                 <a:solidFill>
                   <a:srgbClr val="FF0000"/>
@@ -3545,7 +4408,7 @@
 </p:sld>
 </file>
 
-<file path=ppt/slides/slide11.xml><?xml version="1.0" encoding="utf-8"?>
+<file path=ppt/slides/slide16.xml><?xml version="1.0" encoding="utf-8"?>
 <p:sld xmlns:a="http://schemas.openxmlformats.org/drawingml/2006/main" xmlns:r="http://schemas.openxmlformats.org/officeDocument/2006/relationships" xmlns:p="http://schemas.openxmlformats.org/presentationml/2006/main">
   <p:cSld>
     <p:spTree>
@@ -3871,7 +4734,7 @@
             <a:pPr algn="ctr"/>
             <a:r>
               <a:rPr lang="en-US" sz="23900" dirty="0"/>
-              <a:t>9</a:t>
+              <a:t>14</a:t>
             </a:r>
           </a:p>
         </p:txBody>
@@ -3879,7 +4742,7 @@
     </p:spTree>
     <p:extLst>
       <p:ext uri="{BB962C8B-B14F-4D97-AF65-F5344CB8AC3E}">
-        <p14:creationId xmlns:p14="http://schemas.microsoft.com/office/powerpoint/2010/main" val="1032332332"/>
+        <p14:creationId xmlns:p14="http://schemas.microsoft.com/office/powerpoint/2010/main" val="3507154196"/>
       </p:ext>
     </p:extLst>
   </p:cSld>
@@ -4041,7 +4904,7 @@
             <a:pPr algn="ctr"/>
             <a:r>
               <a:rPr lang="en-US" sz="23900" dirty="0"/>
-              <a:t>8</a:t>
+              <a:t>13</a:t>
             </a:r>
           </a:p>
         </p:txBody>
@@ -4049,7 +4912,7 @@
     </p:spTree>
     <p:extLst>
       <p:ext uri="{BB962C8B-B14F-4D97-AF65-F5344CB8AC3E}">
-        <p14:creationId xmlns:p14="http://schemas.microsoft.com/office/powerpoint/2010/main" val="1085308172"/>
+        <p14:creationId xmlns:p14="http://schemas.microsoft.com/office/powerpoint/2010/main" val="1542203163"/>
       </p:ext>
     </p:extLst>
   </p:cSld>
@@ -4211,7 +5074,7 @@
             <a:pPr algn="ctr"/>
             <a:r>
               <a:rPr lang="en-US" sz="23900" dirty="0"/>
-              <a:t>7</a:t>
+              <a:t>12</a:t>
             </a:r>
           </a:p>
         </p:txBody>
@@ -4219,7 +5082,7 @@
     </p:spTree>
     <p:extLst>
       <p:ext uri="{BB962C8B-B14F-4D97-AF65-F5344CB8AC3E}">
-        <p14:creationId xmlns:p14="http://schemas.microsoft.com/office/powerpoint/2010/main" val="2750493435"/>
+        <p14:creationId xmlns:p14="http://schemas.microsoft.com/office/powerpoint/2010/main" val="876789762"/>
       </p:ext>
     </p:extLst>
   </p:cSld>
@@ -4380,16 +5243,17 @@
           <a:p>
             <a:pPr algn="ctr"/>
             <a:r>
-              <a:rPr lang="en-US" sz="23900" dirty="0"/>
-              <a:t>6</a:t>
-            </a:r>
+              <a:rPr lang="en-US" sz="23900"/>
+              <a:t>11</a:t>
+            </a:r>
+            <a:endParaRPr lang="en-US" sz="23900" dirty="0"/>
           </a:p>
         </p:txBody>
       </p:sp>
     </p:spTree>
     <p:extLst>
       <p:ext uri="{BB962C8B-B14F-4D97-AF65-F5344CB8AC3E}">
-        <p14:creationId xmlns:p14="http://schemas.microsoft.com/office/powerpoint/2010/main" val="541021645"/>
+        <p14:creationId xmlns:p14="http://schemas.microsoft.com/office/powerpoint/2010/main" val="3842542852"/>
       </p:ext>
     </p:extLst>
   </p:cSld>
@@ -4551,7 +5415,7 @@
             <a:pPr algn="ctr"/>
             <a:r>
               <a:rPr lang="en-US" sz="23900" dirty="0"/>
-              <a:t>5</a:t>
+              <a:t>10</a:t>
             </a:r>
           </a:p>
         </p:txBody>
@@ -4559,7 +5423,7 @@
     </p:spTree>
     <p:extLst>
       <p:ext uri="{BB962C8B-B14F-4D97-AF65-F5344CB8AC3E}">
-        <p14:creationId xmlns:p14="http://schemas.microsoft.com/office/powerpoint/2010/main" val="1995452057"/>
+        <p14:creationId xmlns:p14="http://schemas.microsoft.com/office/powerpoint/2010/main" val="807878401"/>
       </p:ext>
     </p:extLst>
   </p:cSld>
@@ -4721,7 +5585,7 @@
             <a:pPr algn="ctr"/>
             <a:r>
               <a:rPr lang="en-US" sz="23900" dirty="0"/>
-              <a:t>4</a:t>
+              <a:t>9</a:t>
             </a:r>
           </a:p>
         </p:txBody>
@@ -4729,7 +5593,7 @@
     </p:spTree>
     <p:extLst>
       <p:ext uri="{BB962C8B-B14F-4D97-AF65-F5344CB8AC3E}">
-        <p14:creationId xmlns:p14="http://schemas.microsoft.com/office/powerpoint/2010/main" val="1422441679"/>
+        <p14:creationId xmlns:p14="http://schemas.microsoft.com/office/powerpoint/2010/main" val="1032332332"/>
       </p:ext>
     </p:extLst>
   </p:cSld>
@@ -4890,12 +5754,8 @@
           <a:p>
             <a:pPr algn="ctr"/>
             <a:r>
-              <a:rPr lang="en-US" sz="23900" b="1" dirty="0">
-                <a:solidFill>
-                  <a:srgbClr val="FF0000"/>
-                </a:solidFill>
-              </a:rPr>
-              <a:t>3</a:t>
+              <a:rPr lang="en-US" sz="23900" dirty="0"/>
+              <a:t>8</a:t>
             </a:r>
           </a:p>
         </p:txBody>
@@ -4903,7 +5763,7 @@
     </p:spTree>
     <p:extLst>
       <p:ext uri="{BB962C8B-B14F-4D97-AF65-F5344CB8AC3E}">
-        <p14:creationId xmlns:p14="http://schemas.microsoft.com/office/powerpoint/2010/main" val="1786500915"/>
+        <p14:creationId xmlns:p14="http://schemas.microsoft.com/office/powerpoint/2010/main" val="1085308172"/>
       </p:ext>
     </p:extLst>
   </p:cSld>
@@ -5064,12 +5924,8 @@
           <a:p>
             <a:pPr algn="ctr"/>
             <a:r>
-              <a:rPr lang="en-US" sz="23900" b="1" dirty="0">
-                <a:solidFill>
-                  <a:srgbClr val="FF0000"/>
-                </a:solidFill>
-              </a:rPr>
-              <a:t>2</a:t>
+              <a:rPr lang="en-US" sz="23900" dirty="0"/>
+              <a:t>7</a:t>
             </a:r>
           </a:p>
         </p:txBody>
@@ -5077,7 +5933,7 @@
     </p:spTree>
     <p:extLst>
       <p:ext uri="{BB962C8B-B14F-4D97-AF65-F5344CB8AC3E}">
-        <p14:creationId xmlns:p14="http://schemas.microsoft.com/office/powerpoint/2010/main" val="3893790633"/>
+        <p14:creationId xmlns:p14="http://schemas.microsoft.com/office/powerpoint/2010/main" val="2750493435"/>
       </p:ext>
     </p:extLst>
   </p:cSld>

--- a/vid/countdown.pptx
+++ b/vid/countdown.pptx
@@ -5243,10 +5243,9 @@
           <a:p>
             <a:pPr algn="ctr"/>
             <a:r>
-              <a:rPr lang="en-US" sz="23900"/>
+              <a:rPr lang="en-US" sz="23900" dirty="0"/>
               <a:t>11</a:t>
             </a:r>
-            <a:endParaRPr lang="en-US" sz="23900" dirty="0"/>
           </a:p>
         </p:txBody>
       </p:sp>
